--- a/Taller/Presentation1.pptx
+++ b/Taller/Presentation1.pptx
@@ -7,6 +7,7 @@
   <p:sldIdLst>
     <p:sldId id="256" r:id="rId2"/>
     <p:sldId id="257" r:id="rId3"/>
+    <p:sldId id="258" r:id="rId4"/>
   </p:sldIdLst>
   <p:sldSz cx="12192000" cy="6858000"/>
   <p:notesSz cx="6858000" cy="9144000"/>
@@ -9297,6 +9298,483 @@
 </p:sld>
 </file>
 
+<file path=ppt/slides/slide3.xml><?xml version="1.0" encoding="utf-8"?>
+<p:sld xmlns:a="http://schemas.openxmlformats.org/drawingml/2006/main" xmlns:r="http://schemas.openxmlformats.org/officeDocument/2006/relationships" xmlns:p="http://schemas.openxmlformats.org/presentationml/2006/main">
+  <p:cSld>
+    <p:spTree>
+      <p:nvGrpSpPr>
+        <p:cNvPr id="1" name=""/>
+        <p:cNvGrpSpPr/>
+        <p:nvPr/>
+      </p:nvGrpSpPr>
+      <p:grpSpPr>
+        <a:xfrm>
+          <a:off x="0" y="0"/>
+          <a:ext cx="0" cy="0"/>
+          <a:chOff x="0" y="0"/>
+          <a:chExt cx="0" cy="0"/>
+        </a:xfrm>
+      </p:grpSpPr>
+      <p:sp>
+        <p:nvSpPr>
+          <p:cNvPr id="4" name="Hexagon 3">
+            <a:extLst>
+              <a:ext uri="{FF2B5EF4-FFF2-40B4-BE49-F238E27FC236}">
+                <a16:creationId xmlns:a16="http://schemas.microsoft.com/office/drawing/2014/main" id="{2355819E-3D4B-6659-2542-B6D8A028857B}"/>
+              </a:ext>
+            </a:extLst>
+          </p:cNvPr>
+          <p:cNvSpPr/>
+          <p:nvPr/>
+        </p:nvSpPr>
+        <p:spPr>
+          <a:xfrm>
+            <a:off x="5441131" y="1566250"/>
+            <a:ext cx="819157" cy="706170"/>
+          </a:xfrm>
+          <a:prstGeom prst="hexagon">
+            <a:avLst/>
+          </a:prstGeom>
+          <a:solidFill>
+            <a:schemeClr val="bg1"/>
+          </a:solidFill>
+        </p:spPr>
+        <p:style>
+          <a:lnRef idx="2">
+            <a:schemeClr val="accent1">
+              <a:shade val="50000"/>
+            </a:schemeClr>
+          </a:lnRef>
+          <a:fillRef idx="1">
+            <a:schemeClr val="accent1"/>
+          </a:fillRef>
+          <a:effectRef idx="0">
+            <a:schemeClr val="accent1"/>
+          </a:effectRef>
+          <a:fontRef idx="minor">
+            <a:schemeClr val="lt1"/>
+          </a:fontRef>
+        </p:style>
+        <p:txBody>
+          <a:bodyPr rtlCol="0" anchor="ctr"/>
+          <a:lstStyle/>
+          <a:p>
+            <a:pPr algn="ctr"/>
+            <a:r>
+              <a:rPr lang="es-419" sz="1000" dirty="0" err="1">
+                <a:solidFill>
+                  <a:schemeClr val="tx1"/>
+                </a:solidFill>
+              </a:rPr>
+              <a:t>Policy</a:t>
+            </a:r>
+            <a:endParaRPr lang="en-US" sz="1000" dirty="0">
+              <a:solidFill>
+                <a:schemeClr val="tx1"/>
+              </a:solidFill>
+            </a:endParaRPr>
+          </a:p>
+        </p:txBody>
+      </p:sp>
+      <p:sp>
+        <p:nvSpPr>
+          <p:cNvPr id="5" name="Hexagon 4">
+            <a:extLst>
+              <a:ext uri="{FF2B5EF4-FFF2-40B4-BE49-F238E27FC236}">
+                <a16:creationId xmlns:a16="http://schemas.microsoft.com/office/drawing/2014/main" id="{A2D802C8-755F-E237-3F4B-C91F28E30580}"/>
+              </a:ext>
+            </a:extLst>
+          </p:cNvPr>
+          <p:cNvSpPr/>
+          <p:nvPr/>
+        </p:nvSpPr>
+        <p:spPr>
+          <a:xfrm>
+            <a:off x="5441131" y="3252457"/>
+            <a:ext cx="819157" cy="706170"/>
+          </a:xfrm>
+          <a:prstGeom prst="hexagon">
+            <a:avLst/>
+          </a:prstGeom>
+          <a:solidFill>
+            <a:schemeClr val="bg1"/>
+          </a:solidFill>
+        </p:spPr>
+        <p:style>
+          <a:lnRef idx="2">
+            <a:schemeClr val="accent1">
+              <a:shade val="50000"/>
+            </a:schemeClr>
+          </a:lnRef>
+          <a:fillRef idx="1">
+            <a:schemeClr val="accent1"/>
+          </a:fillRef>
+          <a:effectRef idx="0">
+            <a:schemeClr val="accent1"/>
+          </a:effectRef>
+          <a:fontRef idx="minor">
+            <a:schemeClr val="lt1"/>
+          </a:fontRef>
+        </p:style>
+        <p:txBody>
+          <a:bodyPr rtlCol="0" anchor="ctr"/>
+          <a:lstStyle/>
+          <a:p>
+            <a:pPr algn="ctr"/>
+            <a:r>
+              <a:rPr lang="es-419" sz="1000" dirty="0" err="1">
+                <a:solidFill>
+                  <a:schemeClr val="tx1"/>
+                </a:solidFill>
+              </a:rPr>
+              <a:t>Report</a:t>
+            </a:r>
+            <a:endParaRPr lang="en-US" sz="1000" dirty="0">
+              <a:solidFill>
+                <a:schemeClr val="tx1"/>
+              </a:solidFill>
+            </a:endParaRPr>
+          </a:p>
+        </p:txBody>
+      </p:sp>
+      <p:sp>
+        <p:nvSpPr>
+          <p:cNvPr id="6" name="Hexagon 5">
+            <a:extLst>
+              <a:ext uri="{FF2B5EF4-FFF2-40B4-BE49-F238E27FC236}">
+                <a16:creationId xmlns:a16="http://schemas.microsoft.com/office/drawing/2014/main" id="{C90D6C2A-07D8-E123-D57D-350397C4C179}"/>
+              </a:ext>
+            </a:extLst>
+          </p:cNvPr>
+          <p:cNvSpPr/>
+          <p:nvPr/>
+        </p:nvSpPr>
+        <p:spPr>
+          <a:xfrm>
+            <a:off x="5441130" y="4938665"/>
+            <a:ext cx="819157" cy="706170"/>
+          </a:xfrm>
+          <a:prstGeom prst="hexagon">
+            <a:avLst/>
+          </a:prstGeom>
+          <a:solidFill>
+            <a:schemeClr val="bg1"/>
+          </a:solidFill>
+        </p:spPr>
+        <p:style>
+          <a:lnRef idx="2">
+            <a:schemeClr val="accent1">
+              <a:shade val="50000"/>
+            </a:schemeClr>
+          </a:lnRef>
+          <a:fillRef idx="1">
+            <a:schemeClr val="accent1"/>
+          </a:fillRef>
+          <a:effectRef idx="0">
+            <a:schemeClr val="accent1"/>
+          </a:effectRef>
+          <a:fontRef idx="minor">
+            <a:schemeClr val="lt1"/>
+          </a:fontRef>
+        </p:style>
+        <p:txBody>
+          <a:bodyPr rtlCol="0" anchor="ctr"/>
+          <a:lstStyle/>
+          <a:p>
+            <a:pPr algn="ctr"/>
+            <a:r>
+              <a:rPr lang="es-419" sz="1000" dirty="0" err="1">
+                <a:solidFill>
+                  <a:schemeClr val="tx1"/>
+                </a:solidFill>
+              </a:rPr>
+              <a:t>Product</a:t>
+            </a:r>
+            <a:endParaRPr lang="en-US" sz="1000" dirty="0">
+              <a:solidFill>
+                <a:schemeClr val="tx1"/>
+              </a:solidFill>
+            </a:endParaRPr>
+          </a:p>
+        </p:txBody>
+      </p:sp>
+      <p:cxnSp>
+        <p:nvCxnSpPr>
+          <p:cNvPr id="8" name="Connector: Curved 7">
+            <a:extLst>
+              <a:ext uri="{FF2B5EF4-FFF2-40B4-BE49-F238E27FC236}">
+                <a16:creationId xmlns:a16="http://schemas.microsoft.com/office/drawing/2014/main" id="{1C31046C-2742-958B-2536-CE7F8033CF5C}"/>
+              </a:ext>
+            </a:extLst>
+          </p:cNvPr>
+          <p:cNvCxnSpPr>
+            <a:stCxn id="5" idx="0"/>
+            <a:endCxn id="4" idx="0"/>
+          </p:cNvCxnSpPr>
+          <p:nvPr/>
+        </p:nvCxnSpPr>
+        <p:spPr>
+          <a:xfrm flipV="1">
+            <a:off x="6260288" y="1919335"/>
+            <a:ext cx="12700" cy="1686207"/>
+          </a:xfrm>
+          <a:prstGeom prst="curvedConnector3">
+            <a:avLst>
+              <a:gd name="adj1" fmla="val 1800000"/>
+            </a:avLst>
+          </a:prstGeom>
+          <a:ln>
+            <a:tailEnd type="triangle"/>
+          </a:ln>
+        </p:spPr>
+        <p:style>
+          <a:lnRef idx="1">
+            <a:schemeClr val="accent1"/>
+          </a:lnRef>
+          <a:fillRef idx="0">
+            <a:schemeClr val="accent1"/>
+          </a:fillRef>
+          <a:effectRef idx="0">
+            <a:schemeClr val="accent1"/>
+          </a:effectRef>
+          <a:fontRef idx="minor">
+            <a:schemeClr val="tx1"/>
+          </a:fontRef>
+        </p:style>
+      </p:cxnSp>
+      <p:cxnSp>
+        <p:nvCxnSpPr>
+          <p:cNvPr id="10" name="Connector: Curved 9">
+            <a:extLst>
+              <a:ext uri="{FF2B5EF4-FFF2-40B4-BE49-F238E27FC236}">
+                <a16:creationId xmlns:a16="http://schemas.microsoft.com/office/drawing/2014/main" id="{D742BEB6-043B-BCC9-0F83-B0EF4334BC35}"/>
+              </a:ext>
+            </a:extLst>
+          </p:cNvPr>
+          <p:cNvCxnSpPr>
+            <a:stCxn id="5" idx="0"/>
+            <a:endCxn id="6" idx="0"/>
+          </p:cNvCxnSpPr>
+          <p:nvPr/>
+        </p:nvCxnSpPr>
+        <p:spPr>
+          <a:xfrm flipH="1">
+            <a:off x="6260287" y="3605542"/>
+            <a:ext cx="1" cy="1686208"/>
+          </a:xfrm>
+          <a:prstGeom prst="curvedConnector3">
+            <a:avLst>
+              <a:gd name="adj1" fmla="val -22860000000"/>
+            </a:avLst>
+          </a:prstGeom>
+          <a:ln>
+            <a:tailEnd type="triangle"/>
+          </a:ln>
+        </p:spPr>
+        <p:style>
+          <a:lnRef idx="1">
+            <a:schemeClr val="accent1"/>
+          </a:lnRef>
+          <a:fillRef idx="0">
+            <a:schemeClr val="accent1"/>
+          </a:fillRef>
+          <a:effectRef idx="0">
+            <a:schemeClr val="accent1"/>
+          </a:effectRef>
+          <a:fontRef idx="minor">
+            <a:schemeClr val="tx1"/>
+          </a:fontRef>
+        </p:style>
+      </p:cxnSp>
+      <p:sp>
+        <p:nvSpPr>
+          <p:cNvPr id="11" name="Rectangle: Rounded Corners 10">
+            <a:extLst>
+              <a:ext uri="{FF2B5EF4-FFF2-40B4-BE49-F238E27FC236}">
+                <a16:creationId xmlns:a16="http://schemas.microsoft.com/office/drawing/2014/main" id="{B399214F-E5B1-3445-2EE6-58FA0C42DBB8}"/>
+              </a:ext>
+            </a:extLst>
+          </p:cNvPr>
+          <p:cNvSpPr/>
+          <p:nvPr/>
+        </p:nvSpPr>
+        <p:spPr>
+          <a:xfrm>
+            <a:off x="2611622" y="3184556"/>
+            <a:ext cx="1249378" cy="841972"/>
+          </a:xfrm>
+          <a:prstGeom prst="roundRect">
+            <a:avLst/>
+          </a:prstGeom>
+          <a:solidFill>
+            <a:schemeClr val="bg1"/>
+          </a:solidFill>
+        </p:spPr>
+        <p:style>
+          <a:lnRef idx="2">
+            <a:schemeClr val="accent1">
+              <a:shade val="50000"/>
+            </a:schemeClr>
+          </a:lnRef>
+          <a:fillRef idx="1">
+            <a:schemeClr val="accent1"/>
+          </a:fillRef>
+          <a:effectRef idx="0">
+            <a:schemeClr val="accent1"/>
+          </a:effectRef>
+          <a:fontRef idx="minor">
+            <a:schemeClr val="lt1"/>
+          </a:fontRef>
+        </p:style>
+        <p:txBody>
+          <a:bodyPr rtlCol="0" anchor="ctr"/>
+          <a:lstStyle/>
+          <a:p>
+            <a:pPr algn="ctr"/>
+            <a:endParaRPr lang="en-US"/>
+          </a:p>
+        </p:txBody>
+      </p:sp>
+      <p:sp>
+        <p:nvSpPr>
+          <p:cNvPr id="12" name="Parallelogram 11">
+            <a:extLst>
+              <a:ext uri="{FF2B5EF4-FFF2-40B4-BE49-F238E27FC236}">
+                <a16:creationId xmlns:a16="http://schemas.microsoft.com/office/drawing/2014/main" id="{7F44A9FA-ADA8-0413-9528-5FF4101993C1}"/>
+              </a:ext>
+            </a:extLst>
+          </p:cNvPr>
+          <p:cNvSpPr/>
+          <p:nvPr/>
+        </p:nvSpPr>
+        <p:spPr>
+          <a:xfrm>
+            <a:off x="2611622" y="4062742"/>
+            <a:ext cx="1249378" cy="235390"/>
+          </a:xfrm>
+          <a:prstGeom prst="parallelogram">
+            <a:avLst/>
+          </a:prstGeom>
+          <a:solidFill>
+            <a:schemeClr val="bg1"/>
+          </a:solidFill>
+        </p:spPr>
+        <p:style>
+          <a:lnRef idx="2">
+            <a:schemeClr val="accent1">
+              <a:shade val="50000"/>
+            </a:schemeClr>
+          </a:lnRef>
+          <a:fillRef idx="1">
+            <a:schemeClr val="accent1"/>
+          </a:fillRef>
+          <a:effectRef idx="0">
+            <a:schemeClr val="accent1"/>
+          </a:effectRef>
+          <a:fontRef idx="minor">
+            <a:schemeClr val="lt1"/>
+          </a:fontRef>
+        </p:style>
+        <p:txBody>
+          <a:bodyPr rtlCol="0" anchor="ctr"/>
+          <a:lstStyle/>
+          <a:p>
+            <a:pPr algn="ctr"/>
+            <a:endParaRPr lang="en-US"/>
+          </a:p>
+        </p:txBody>
+      </p:sp>
+      <p:sp>
+        <p:nvSpPr>
+          <p:cNvPr id="13" name="TextBox 12">
+            <a:extLst>
+              <a:ext uri="{FF2B5EF4-FFF2-40B4-BE49-F238E27FC236}">
+                <a16:creationId xmlns:a16="http://schemas.microsoft.com/office/drawing/2014/main" id="{074C9FC4-D260-7249-6C8C-9E09CC53C89D}"/>
+              </a:ext>
+            </a:extLst>
+          </p:cNvPr>
+          <p:cNvSpPr txBox="1"/>
+          <p:nvPr/>
+        </p:nvSpPr>
+        <p:spPr>
+          <a:xfrm>
+            <a:off x="2993296" y="4348856"/>
+            <a:ext cx="486030" cy="246221"/>
+          </a:xfrm>
+          <a:prstGeom prst="rect">
+            <a:avLst/>
+          </a:prstGeom>
+          <a:noFill/>
+        </p:spPr>
+        <p:txBody>
+          <a:bodyPr wrap="none" rtlCol="0">
+            <a:spAutoFit/>
+          </a:bodyPr>
+          <a:lstStyle/>
+          <a:p>
+            <a:r>
+              <a:rPr lang="es-419" sz="1000" dirty="0"/>
+              <a:t>Client</a:t>
+            </a:r>
+            <a:endParaRPr lang="en-US" sz="1000" dirty="0"/>
+          </a:p>
+        </p:txBody>
+      </p:sp>
+      <p:cxnSp>
+        <p:nvCxnSpPr>
+          <p:cNvPr id="15" name="Straight Arrow Connector 14">
+            <a:extLst>
+              <a:ext uri="{FF2B5EF4-FFF2-40B4-BE49-F238E27FC236}">
+                <a16:creationId xmlns:a16="http://schemas.microsoft.com/office/drawing/2014/main" id="{7EDF4482-9F3B-6188-82B0-61FC1593429E}"/>
+              </a:ext>
+            </a:extLst>
+          </p:cNvPr>
+          <p:cNvCxnSpPr>
+            <a:stCxn id="11" idx="3"/>
+            <a:endCxn id="5" idx="3"/>
+          </p:cNvCxnSpPr>
+          <p:nvPr/>
+        </p:nvCxnSpPr>
+        <p:spPr>
+          <a:xfrm>
+            <a:off x="3861000" y="3605542"/>
+            <a:ext cx="1580131" cy="0"/>
+          </a:xfrm>
+          <a:prstGeom prst="straightConnector1">
+            <a:avLst/>
+          </a:prstGeom>
+          <a:ln>
+            <a:tailEnd type="triangle"/>
+          </a:ln>
+        </p:spPr>
+        <p:style>
+          <a:lnRef idx="1">
+            <a:schemeClr val="accent1"/>
+          </a:lnRef>
+          <a:fillRef idx="0">
+            <a:schemeClr val="accent1"/>
+          </a:fillRef>
+          <a:effectRef idx="0">
+            <a:schemeClr val="accent1"/>
+          </a:effectRef>
+          <a:fontRef idx="minor">
+            <a:schemeClr val="tx1"/>
+          </a:fontRef>
+        </p:style>
+      </p:cxnSp>
+    </p:spTree>
+    <p:extLst>
+      <p:ext uri="{BB962C8B-B14F-4D97-AF65-F5344CB8AC3E}">
+        <p14:creationId xmlns:p14="http://schemas.microsoft.com/office/powerpoint/2010/main" val="943422207"/>
+      </p:ext>
+    </p:extLst>
+  </p:cSld>
+  <p:clrMapOvr>
+    <a:masterClrMapping/>
+  </p:clrMapOvr>
+</p:sld>
+</file>
+
 <file path=ppt/theme/theme1.xml><?xml version="1.0" encoding="utf-8"?>
 <a:theme xmlns:a="http://schemas.openxmlformats.org/drawingml/2006/main" name="Office Theme">
   <a:themeElements>
